--- a/For Loop/07.1 PB-Python-For-Loop.pptx
+++ b/For Loop/07.1 PB-Python-For-Loop.pptx
@@ -9031,8 +9031,14 @@
               <a:t>Прости повторения с </a:t>
             </a:r>
             <a:r>
+              <a:rPr lang="en-US" b="1" dirty="0">
+                <a:latin typeface="Consolas" panose="020B0609020204030204" pitchFamily="49" charset="0"/>
+              </a:rPr>
+              <a:t>for</a:t>
+            </a:r>
+            <a:r>
               <a:rPr lang="en-US" dirty="0"/>
-              <a:t>for-</a:t>
+              <a:t>-</a:t>
             </a:r>
             <a:r>
               <a:rPr lang="bg-BG" dirty="0"/>
@@ -9229,7 +9235,7 @@
               </a:ext>
             </a:extLst>
           </a:blip>
-          <a:srcRect r="23611"/>
+          <a:srcRect/>
           <a:stretch/>
         </p:blipFill>
         <p:spPr bwMode="auto">
